--- a/eletricista/Aula03/Software.pptx
+++ b/eletricista/Aula03/Software.pptx
@@ -5869,15 +5869,22 @@
               </a:spcBef>
             </a:pPr>
             <a:r>
-              <a:rPr lang="pt-BR" sz="6600" b="1" i="1" kern="0" spc="-25" dirty="0">
+              <a:rPr lang="pt-BR" sz="6600" b="1" i="1" kern="0" spc="-25">
                 <a:solidFill>
                   <a:srgbClr val="FFFFFF"/>
                 </a:solidFill>
                 <a:latin typeface="Calibri" panose="020F0502020204030204" pitchFamily="34" charset="0"/>
                 <a:cs typeface="Calibri" panose="020F0502020204030204" pitchFamily="34" charset="0"/>
               </a:rPr>
-              <a:t>Técnico em ADM</a:t>
+              <a:t>CAI - Eletricista Manutenção</a:t>
             </a:r>
+            <a:endParaRPr lang="pt-BR" sz="6600" b="1" i="1" kern="0" spc="-25" dirty="0">
+              <a:solidFill>
+                <a:srgbClr val="FFFFFF"/>
+              </a:solidFill>
+              <a:latin typeface="Calibri" panose="020F0502020204030204" pitchFamily="34" charset="0"/>
+              <a:cs typeface="Calibri" panose="020F0502020204030204" pitchFamily="34" charset="0"/>
+            </a:endParaRPr>
           </a:p>
         </p:txBody>
       </p:sp>
@@ -36524,12 +36531,6 @@
 </file>
 
 <file path=customXml/item2.xml><?xml version="1.0" encoding="utf-8"?>
-<p:properties xmlns:p="http://schemas.microsoft.com/office/2006/metadata/properties" xmlns:xsi="http://www.w3.org/2001/XMLSchema-instance" xmlns:pc="http://schemas.microsoft.com/office/infopath/2007/PartnerControls">
-  <documentManagement/>
-</p:properties>
-</file>
-
-<file path=customXml/item3.xml><?xml version="1.0" encoding="utf-8"?>
 <ct:contentTypeSchema xmlns:ct="http://schemas.microsoft.com/office/2006/metadata/contentType" xmlns:ma="http://schemas.microsoft.com/office/2006/metadata/properties/metaAttributes" ct:_="" ma:_="" ma:contentTypeName="Documento" ma:contentTypeID="0x010100A0D1E2450D2CCF4B94B30D13213EC305" ma:contentTypeVersion="14" ma:contentTypeDescription="Crie um novo documento." ma:contentTypeScope="" ma:versionID="80af2ae99a390bb8f99db6a6f71dbd11">
   <xsd:schema xmlns:xsd="http://www.w3.org/2001/XMLSchema" xmlns:xs="http://www.w3.org/2001/XMLSchema" xmlns:p="http://schemas.microsoft.com/office/2006/metadata/properties" xmlns:ns3="e2750cde-43d6-4eda-a582-fdf0d091b109" xmlns:ns4="b37a9e9f-dabd-4ec4-96f1-5ea18684f50e" targetNamespace="http://schemas.microsoft.com/office/2006/metadata/properties" ma:root="true" ma:fieldsID="2dc6d4c45140fd29241634ff7e109878" ns3:_="" ns4:_="">
     <xsd:import namespace="e2750cde-43d6-4eda-a582-fdf0d091b109"/>
@@ -36758,6 +36759,12 @@
 </ct:contentTypeSchema>
 </file>
 
+<file path=customXml/item3.xml><?xml version="1.0" encoding="utf-8"?>
+<p:properties xmlns:p="http://schemas.microsoft.com/office/2006/metadata/properties" xmlns:xsi="http://www.w3.org/2001/XMLSchema-instance" xmlns:pc="http://schemas.microsoft.com/office/infopath/2007/PartnerControls">
+  <documentManagement/>
+</p:properties>
+</file>
+
 <file path=customXml/itemProps1.xml><?xml version="1.0" encoding="utf-8"?>
 <ds:datastoreItem xmlns:ds="http://schemas.openxmlformats.org/officeDocument/2006/customXml" ds:itemID="{65F35E67-04E6-4922-B19E-6681FBF95DE2}">
   <ds:schemaRefs>
@@ -36767,23 +36774,6 @@
 </file>
 
 <file path=customXml/itemProps2.xml><?xml version="1.0" encoding="utf-8"?>
-<ds:datastoreItem xmlns:ds="http://schemas.openxmlformats.org/officeDocument/2006/customXml" ds:itemID="{AAA42D19-56A1-4D0B-AB84-67451006DC5A}">
-  <ds:schemaRefs>
-    <ds:schemaRef ds:uri="http://purl.org/dc/elements/1.1/"/>
-    <ds:schemaRef ds:uri="http://schemas.microsoft.com/office/2006/metadata/properties"/>
-    <ds:schemaRef ds:uri="b37a9e9f-dabd-4ec4-96f1-5ea18684f50e"/>
-    <ds:schemaRef ds:uri="http://purl.org/dc/terms/"/>
-    <ds:schemaRef ds:uri="http://schemas.openxmlformats.org/package/2006/metadata/core-properties"/>
-    <ds:schemaRef ds:uri="e2750cde-43d6-4eda-a582-fdf0d091b109"/>
-    <ds:schemaRef ds:uri="http://schemas.microsoft.com/office/2006/documentManagement/types"/>
-    <ds:schemaRef ds:uri="http://schemas.microsoft.com/office/infopath/2007/PartnerControls"/>
-    <ds:schemaRef ds:uri="http://www.w3.org/XML/1998/namespace"/>
-    <ds:schemaRef ds:uri="http://purl.org/dc/dcmitype/"/>
-  </ds:schemaRefs>
-</ds:datastoreItem>
-</file>
-
-<file path=customXml/itemProps3.xml><?xml version="1.0" encoding="utf-8"?>
 <ds:datastoreItem xmlns:ds="http://schemas.openxmlformats.org/officeDocument/2006/customXml" ds:itemID="{B1169B78-FDA6-4A96-82D9-CDF50108CDA4}">
   <ds:schemaRefs>
     <ds:schemaRef ds:uri="http://schemas.microsoft.com/office/2006/metadata/contentType"/>
@@ -36802,6 +36792,23 @@
 </ds:datastoreItem>
 </file>
 
+<file path=customXml/itemProps3.xml><?xml version="1.0" encoding="utf-8"?>
+<ds:datastoreItem xmlns:ds="http://schemas.openxmlformats.org/officeDocument/2006/customXml" ds:itemID="{AAA42D19-56A1-4D0B-AB84-67451006DC5A}">
+  <ds:schemaRefs>
+    <ds:schemaRef ds:uri="http://purl.org/dc/elements/1.1/"/>
+    <ds:schemaRef ds:uri="http://schemas.microsoft.com/office/2006/metadata/properties"/>
+    <ds:schemaRef ds:uri="b37a9e9f-dabd-4ec4-96f1-5ea18684f50e"/>
+    <ds:schemaRef ds:uri="http://purl.org/dc/terms/"/>
+    <ds:schemaRef ds:uri="http://schemas.openxmlformats.org/package/2006/metadata/core-properties"/>
+    <ds:schemaRef ds:uri="e2750cde-43d6-4eda-a582-fdf0d091b109"/>
+    <ds:schemaRef ds:uri="http://schemas.microsoft.com/office/2006/documentManagement/types"/>
+    <ds:schemaRef ds:uri="http://schemas.microsoft.com/office/infopath/2007/PartnerControls"/>
+    <ds:schemaRef ds:uri="http://www.w3.org/XML/1998/namespace"/>
+    <ds:schemaRef ds:uri="http://purl.org/dc/dcmitype/"/>
+  </ds:schemaRefs>
+</ds:datastoreItem>
+</file>
+
 <file path=docMetadata/LabelInfo.xml><?xml version="1.0" encoding="utf-8"?>
 <clbl:labelList xmlns:clbl="http://schemas.microsoft.com/office/2020/mipLabelMetadata">
   <clbl:label id="{4148a6de-0dd1-4d04-a4c5-78e374e4f6d6}" enabled="0" method="" siteId="{4148a6de-0dd1-4d04-a4c5-78e374e4f6d6}" removed="1"/>
